--- a/Zadanie 3/LoG.pptx
+++ b/Zadanie 3/LoG.pptx
@@ -142,7 +142,7 @@
   <pc:docChgLst>
     <pc:chgData name="Bombara, Damian" userId="b9dd82cc-b7aa-41b7-85e3-2741d0b90e1d" providerId="ADAL" clId="{29A53B1A-EA63-4F07-8D11-1CF700548C70}"/>
     <pc:docChg chg="undo custSel addSld delSld modSld">
-      <pc:chgData name="Bombara, Damian" userId="b9dd82cc-b7aa-41b7-85e3-2741d0b90e1d" providerId="ADAL" clId="{29A53B1A-EA63-4F07-8D11-1CF700548C70}" dt="2024-03-30T14:23:50.652" v="862" actId="14100"/>
+      <pc:chgData name="Bombara, Damian" userId="b9dd82cc-b7aa-41b7-85e3-2741d0b90e1d" providerId="ADAL" clId="{29A53B1A-EA63-4F07-8D11-1CF700548C70}" dt="2024-04-02T11:55:00.872" v="873" actId="14100"/>
       <pc:docMkLst>
         <pc:docMk/>
       </pc:docMkLst>
@@ -306,7 +306,7 @@
         </pc:sldMkLst>
       </pc:sldChg>
       <pc:sldChg chg="addSp delSp modSp mod">
-        <pc:chgData name="Bombara, Damian" userId="b9dd82cc-b7aa-41b7-85e3-2741d0b90e1d" providerId="ADAL" clId="{29A53B1A-EA63-4F07-8D11-1CF700548C70}" dt="2024-03-30T14:18:29.378" v="635" actId="14100"/>
+        <pc:chgData name="Bombara, Damian" userId="b9dd82cc-b7aa-41b7-85e3-2741d0b90e1d" providerId="ADAL" clId="{29A53B1A-EA63-4F07-8D11-1CF700548C70}" dt="2024-04-02T11:55:00.872" v="873" actId="14100"/>
         <pc:sldMkLst>
           <pc:docMk/>
           <pc:sldMk cId="636929804" sldId="282"/>
@@ -336,7 +336,7 @@
           </ac:spMkLst>
         </pc:spChg>
         <pc:spChg chg="add mod">
-          <ac:chgData name="Bombara, Damian" userId="b9dd82cc-b7aa-41b7-85e3-2741d0b90e1d" providerId="ADAL" clId="{29A53B1A-EA63-4F07-8D11-1CF700548C70}" dt="2024-03-30T14:18:12.647" v="630" actId="1076"/>
+          <ac:chgData name="Bombara, Damian" userId="b9dd82cc-b7aa-41b7-85e3-2741d0b90e1d" providerId="ADAL" clId="{29A53B1A-EA63-4F07-8D11-1CF700548C70}" dt="2024-04-02T11:54:43.442" v="868" actId="122"/>
           <ac:spMkLst>
             <pc:docMk/>
             <pc:sldMk cId="636929804" sldId="282"/>
@@ -344,7 +344,7 @@
           </ac:spMkLst>
         </pc:spChg>
         <pc:spChg chg="add mod">
-          <ac:chgData name="Bombara, Damian" userId="b9dd82cc-b7aa-41b7-85e3-2741d0b90e1d" providerId="ADAL" clId="{29A53B1A-EA63-4F07-8D11-1CF700548C70}" dt="2024-03-30T14:18:07.258" v="627" actId="1076"/>
+          <ac:chgData name="Bombara, Damian" userId="b9dd82cc-b7aa-41b7-85e3-2741d0b90e1d" providerId="ADAL" clId="{29A53B1A-EA63-4F07-8D11-1CF700548C70}" dt="2024-04-02T11:54:53.386" v="871" actId="122"/>
           <ac:spMkLst>
             <pc:docMk/>
             <pc:sldMk cId="636929804" sldId="282"/>
@@ -360,7 +360,7 @@
           </ac:spMkLst>
         </pc:spChg>
         <pc:spChg chg="mod">
-          <ac:chgData name="Bombara, Damian" userId="b9dd82cc-b7aa-41b7-85e3-2741d0b90e1d" providerId="ADAL" clId="{29A53B1A-EA63-4F07-8D11-1CF700548C70}" dt="2024-03-30T14:18:16.667" v="632" actId="1076"/>
+          <ac:chgData name="Bombara, Damian" userId="b9dd82cc-b7aa-41b7-85e3-2741d0b90e1d" providerId="ADAL" clId="{29A53B1A-EA63-4F07-8D11-1CF700548C70}" dt="2024-04-02T11:54:46.004" v="869" actId="122"/>
           <ac:spMkLst>
             <pc:docMk/>
             <pc:sldMk cId="636929804" sldId="282"/>
@@ -408,7 +408,7 @@
           </ac:picMkLst>
         </pc:picChg>
         <pc:picChg chg="add mod">
-          <ac:chgData name="Bombara, Damian" userId="b9dd82cc-b7aa-41b7-85e3-2741d0b90e1d" providerId="ADAL" clId="{29A53B1A-EA63-4F07-8D11-1CF700548C70}" dt="2024-03-30T14:18:29.378" v="635" actId="14100"/>
+          <ac:chgData name="Bombara, Damian" userId="b9dd82cc-b7aa-41b7-85e3-2741d0b90e1d" providerId="ADAL" clId="{29A53B1A-EA63-4F07-8D11-1CF700548C70}" dt="2024-04-02T11:55:00.872" v="873" actId="14100"/>
           <ac:picMkLst>
             <pc:docMk/>
             <pc:sldMk cId="636929804" sldId="282"/>
@@ -438,7 +438,7 @@
         </pc:sldMkLst>
       </pc:sldChg>
       <pc:sldChg chg="addSp delSp modSp new mod">
-        <pc:chgData name="Bombara, Damian" userId="b9dd82cc-b7aa-41b7-85e3-2741d0b90e1d" providerId="ADAL" clId="{29A53B1A-EA63-4F07-8D11-1CF700548C70}" dt="2024-03-30T13:24:02.932" v="292" actId="22"/>
+        <pc:chgData name="Bombara, Damian" userId="b9dd82cc-b7aa-41b7-85e3-2741d0b90e1d" providerId="ADAL" clId="{29A53B1A-EA63-4F07-8D11-1CF700548C70}" dt="2024-04-02T11:53:16.592" v="864" actId="22"/>
         <pc:sldMkLst>
           <pc:docMk/>
           <pc:sldMk cId="211414451" sldId="286"/>
@@ -459,6 +459,14 @@
             <ac:spMk id="3" creationId="{300D0476-33EF-BBA7-B8DA-229BDE37FBBC}"/>
           </ac:spMkLst>
         </pc:spChg>
+        <pc:picChg chg="add">
+          <ac:chgData name="Bombara, Damian" userId="b9dd82cc-b7aa-41b7-85e3-2741d0b90e1d" providerId="ADAL" clId="{29A53B1A-EA63-4F07-8D11-1CF700548C70}" dt="2024-04-02T11:53:16.592" v="864" actId="22"/>
+          <ac:picMkLst>
+            <pc:docMk/>
+            <pc:sldMk cId="211414451" sldId="286"/>
+            <ac:picMk id="3" creationId="{398ADC63-61CF-F929-90B0-737A63CBC4B0}"/>
+          </ac:picMkLst>
+        </pc:picChg>
         <pc:picChg chg="add del mod">
           <ac:chgData name="Bombara, Damian" userId="b9dd82cc-b7aa-41b7-85e3-2741d0b90e1d" providerId="ADAL" clId="{29A53B1A-EA63-4F07-8D11-1CF700548C70}" dt="2024-03-30T13:24:02.682" v="291" actId="478"/>
           <ac:picMkLst>
@@ -467,8 +475,8 @@
             <ac:picMk id="4" creationId="{737ABF3C-2E6C-17B8-A155-4F0C933960C9}"/>
           </ac:picMkLst>
         </pc:picChg>
-        <pc:picChg chg="add">
-          <ac:chgData name="Bombara, Damian" userId="b9dd82cc-b7aa-41b7-85e3-2741d0b90e1d" providerId="ADAL" clId="{29A53B1A-EA63-4F07-8D11-1CF700548C70}" dt="2024-03-30T13:24:02.932" v="292" actId="22"/>
+        <pc:picChg chg="add del">
+          <ac:chgData name="Bombara, Damian" userId="b9dd82cc-b7aa-41b7-85e3-2741d0b90e1d" providerId="ADAL" clId="{29A53B1A-EA63-4F07-8D11-1CF700548C70}" dt="2024-04-02T11:53:16.299" v="863" actId="478"/>
           <ac:picMkLst>
             <pc:docMk/>
             <pc:sldMk cId="211414451" sldId="286"/>
@@ -539,11 +547,19 @@
         </pc:picChg>
       </pc:sldChg>
       <pc:sldChg chg="addSp delSp modSp add mod">
-        <pc:chgData name="Bombara, Damian" userId="b9dd82cc-b7aa-41b7-85e3-2741d0b90e1d" providerId="ADAL" clId="{29A53B1A-EA63-4F07-8D11-1CF700548C70}" dt="2024-03-30T14:10:33.410" v="538" actId="22"/>
+        <pc:chgData name="Bombara, Damian" userId="b9dd82cc-b7aa-41b7-85e3-2741d0b90e1d" providerId="ADAL" clId="{29A53B1A-EA63-4F07-8D11-1CF700548C70}" dt="2024-04-02T11:53:42.588" v="866" actId="22"/>
         <pc:sldMkLst>
           <pc:docMk/>
           <pc:sldMk cId="4108900236" sldId="288"/>
         </pc:sldMkLst>
+        <pc:picChg chg="add">
+          <ac:chgData name="Bombara, Damian" userId="b9dd82cc-b7aa-41b7-85e3-2741d0b90e1d" providerId="ADAL" clId="{29A53B1A-EA63-4F07-8D11-1CF700548C70}" dt="2024-04-02T11:53:42.588" v="866" actId="22"/>
+          <ac:picMkLst>
+            <pc:docMk/>
+            <pc:sldMk cId="4108900236" sldId="288"/>
+            <ac:picMk id="3" creationId="{9BE6B9BA-88B7-55B9-EAF9-BE53ECACA7E9}"/>
+          </ac:picMkLst>
+        </pc:picChg>
         <pc:picChg chg="add del mod">
           <ac:chgData name="Bombara, Damian" userId="b9dd82cc-b7aa-41b7-85e3-2741d0b90e1d" providerId="ADAL" clId="{29A53B1A-EA63-4F07-8D11-1CF700548C70}" dt="2024-03-30T13:41:53.707" v="331" actId="478"/>
           <ac:picMkLst>
@@ -576,8 +592,8 @@
             <ac:picMk id="8" creationId="{1DBAA9F7-36BA-5524-1046-9951E0D5CF0C}"/>
           </ac:picMkLst>
         </pc:picChg>
-        <pc:picChg chg="add">
-          <ac:chgData name="Bombara, Damian" userId="b9dd82cc-b7aa-41b7-85e3-2741d0b90e1d" providerId="ADAL" clId="{29A53B1A-EA63-4F07-8D11-1CF700548C70}" dt="2024-03-30T14:10:33.410" v="538" actId="22"/>
+        <pc:picChg chg="add del">
+          <ac:chgData name="Bombara, Damian" userId="b9dd82cc-b7aa-41b7-85e3-2741d0b90e1d" providerId="ADAL" clId="{29A53B1A-EA63-4F07-8D11-1CF700548C70}" dt="2024-04-02T11:53:42.314" v="865" actId="478"/>
           <ac:picMkLst>
             <pc:docMk/>
             <pc:sldMk cId="4108900236" sldId="288"/>
@@ -763,7 +779,7 @@
           <a:p>
             <a:fld id="{B56F32FC-4BD9-442A-A8C6-51598C909FE3}" type="datetimeFigureOut">
               <a:rPr lang="en-US" smtClean="0"/>
-              <a:t>3/30/2024</a:t>
+              <a:t>4/2/2024</a:t>
             </a:fld>
             <a:endParaRPr lang="en-US" dirty="0"/>
           </a:p>
@@ -940,7 +956,7 @@
           <a:p>
             <a:fld id="{056371FA-A98D-41E8-93F4-09945841298A}" type="datetimeFigureOut">
               <a:rPr lang="en-US" smtClean="0"/>
-              <a:t>3/30/2024</a:t>
+              <a:t>4/2/2024</a:t>
             </a:fld>
             <a:endParaRPr lang="en-US" dirty="0"/>
           </a:p>
@@ -7621,10 +7637,10 @@
       </p:grpSpPr>
       <p:pic>
         <p:nvPicPr>
-          <p:cNvPr id="6" name="Picture 5">
-            <a:extLst>
-              <a:ext uri="{FF2B5EF4-FFF2-40B4-BE49-F238E27FC236}">
-                <a16:creationId xmlns:a16="http://schemas.microsoft.com/office/drawing/2014/main" id="{FBD94BF3-4530-2876-3907-657BA3033709}"/>
+          <p:cNvPr id="3" name="Picture 2">
+            <a:extLst>
+              <a:ext uri="{FF2B5EF4-FFF2-40B4-BE49-F238E27FC236}">
+                <a16:creationId xmlns:a16="http://schemas.microsoft.com/office/drawing/2014/main" id="{398ADC63-61CF-F929-90B0-737A63CBC4B0}"/>
               </a:ext>
             </a:extLst>
           </p:cNvPr>
@@ -7641,8 +7657,8 @@
         </p:blipFill>
         <p:spPr>
           <a:xfrm>
-            <a:off x="0" y="1739803"/>
-            <a:ext cx="12192000" cy="3378394"/>
+            <a:off x="0" y="1705303"/>
+            <a:ext cx="12192000" cy="3447394"/>
           </a:xfrm>
           <a:prstGeom prst="rect">
             <a:avLst/>
@@ -7853,10 +7869,10 @@
       </p:grpSpPr>
       <p:pic>
         <p:nvPicPr>
-          <p:cNvPr id="10" name="Picture 9">
-            <a:extLst>
-              <a:ext uri="{FF2B5EF4-FFF2-40B4-BE49-F238E27FC236}">
-                <a16:creationId xmlns:a16="http://schemas.microsoft.com/office/drawing/2014/main" id="{8B50D98D-C793-12EB-5473-5060822AC267}"/>
+          <p:cNvPr id="3" name="Picture 2">
+            <a:extLst>
+              <a:ext uri="{FF2B5EF4-FFF2-40B4-BE49-F238E27FC236}">
+                <a16:creationId xmlns:a16="http://schemas.microsoft.com/office/drawing/2014/main" id="{9BE6B9BA-88B7-55B9-EAF9-BE53ECACA7E9}"/>
               </a:ext>
             </a:extLst>
           </p:cNvPr>
@@ -7873,8 +7889,8 @@
         </p:blipFill>
         <p:spPr>
           <a:xfrm>
-            <a:off x="0" y="1324146"/>
-            <a:ext cx="12192000" cy="4209708"/>
+            <a:off x="0" y="1365520"/>
+            <a:ext cx="12192000" cy="4126959"/>
           </a:xfrm>
           <a:prstGeom prst="rect">
             <a:avLst/>
@@ -7971,6 +7987,7 @@
           <a:bodyPr/>
           <a:lstStyle/>
           <a:p>
+            <a:pPr algn="ctr"/>
             <a:r>
               <a:rPr lang="sk-SK" dirty="0"/>
               <a:t>Originál</a:t>
@@ -8030,8 +8047,8 @@
         </p:nvSpPr>
         <p:spPr>
           <a:xfrm>
-            <a:off x="4813136" y="2198877"/>
-            <a:ext cx="1800013" cy="351284"/>
+            <a:off x="4813136" y="2198876"/>
+            <a:ext cx="1800013" cy="508067"/>
           </a:xfrm>
           <a:prstGeom prst="rect">
             <a:avLst/>
@@ -8206,6 +8223,7 @@
             </a:lvl9pPr>
           </a:lstStyle>
           <a:p>
+            <a:pPr algn="ctr"/>
             <a:r>
               <a:rPr lang="sk-SK" dirty="0"/>
               <a:t>openCV funkcia</a:t>
@@ -8230,7 +8248,7 @@
         <p:spPr>
           <a:xfrm>
             <a:off x="9224952" y="2174646"/>
-            <a:ext cx="1512252" cy="399745"/>
+            <a:ext cx="1512252" cy="532297"/>
           </a:xfrm>
           <a:prstGeom prst="rect">
             <a:avLst/>
@@ -8405,6 +8423,7 @@
             </a:lvl9pPr>
           </a:lstStyle>
           <a:p>
+            <a:pPr algn="ctr"/>
             <a:r>
               <a:rPr lang="sk-SK" dirty="0"/>
               <a:t>naša funkcia</a:t>
@@ -8493,8 +8512,8 @@
         </p:blipFill>
         <p:spPr>
           <a:xfrm>
-            <a:off x="8344634" y="2973388"/>
-            <a:ext cx="3272887" cy="1844146"/>
+            <a:off x="8239452" y="2973388"/>
+            <a:ext cx="3378069" cy="1903412"/>
           </a:xfrm>
           <a:prstGeom prst="rect">
             <a:avLst/>
@@ -9546,35 +9565,6 @@
 </file>
 
 <file path=customXml/item1.xml><?xml version="1.0" encoding="utf-8"?>
-<p:properties xmlns:p="http://schemas.microsoft.com/office/2006/metadata/properties" xmlns:xsi="http://www.w3.org/2001/XMLSchema-instance" xmlns:pc="http://schemas.microsoft.com/office/infopath/2007/PartnerControls">
-  <documentManagement>
-    <_ip_UnifiedCompliancePolicyUIAction xmlns="http://schemas.microsoft.com/sharepoint/v3" xsi:nil="true"/>
-    <Image xmlns="71af3243-3dd4-4a8d-8c0d-dd76da1f02a5">
-      <Url xsi:nil="true"/>
-      <Description xsi:nil="true"/>
-    </Image>
-    <Status xmlns="71af3243-3dd4-4a8d-8c0d-dd76da1f02a5">Not started</Status>
-    <Background xmlns="71af3243-3dd4-4a8d-8c0d-dd76da1f02a5">false</Background>
-    <_ip_UnifiedCompliancePolicyProperties xmlns="http://schemas.microsoft.com/sharepoint/v3" xsi:nil="true"/>
-    <ImageTagsTaxHTField xmlns="71af3243-3dd4-4a8d-8c0d-dd76da1f02a5">
-      <Terms xmlns="http://schemas.microsoft.com/office/infopath/2007/PartnerControls"/>
-    </ImageTagsTaxHTField>
-    <TaxCatchAll xmlns="230e9df3-be65-4c73-a93b-d1236ebd677e" xsi:nil="true"/>
-    <MediaServiceKeyPoints xmlns="71af3243-3dd4-4a8d-8c0d-dd76da1f02a5" xsi:nil="true"/>
-  </documentManagement>
-</p:properties>
-</file>
-
-<file path=customXml/item2.xml><?xml version="1.0" encoding="utf-8"?>
-<?mso-contentType ?>
-<FormTemplates xmlns="http://schemas.microsoft.com/sharepoint/v3/contenttype/forms">
-  <Display>DocumentLibraryForm</Display>
-  <Edit>DocumentLibraryForm</Edit>
-  <New>DocumentLibraryForm</New>
-</FormTemplates>
-</file>
-
-<file path=customXml/item3.xml><?xml version="1.0" encoding="utf-8"?>
 <ct:contentTypeSchema xmlns:ct="http://schemas.microsoft.com/office/2006/metadata/contentType" xmlns:ma="http://schemas.microsoft.com/office/2006/metadata/properties/metaAttributes" ct:_="" ma:_="" ma:contentTypeName="Document" ma:contentTypeID="0x01010079F111ED35F8CC479449609E8A0923A6" ma:contentTypeVersion="28" ma:contentTypeDescription="Create a new document." ma:contentTypeScope="" ma:versionID="60f5a4f2d2b0abadcf532d48ebf9cb71">
   <xsd:schema xmlns:xsd="http://www.w3.org/2001/XMLSchema" xmlns:xs="http://www.w3.org/2001/XMLSchema" xmlns:p="http://schemas.microsoft.com/office/2006/metadata/properties" xmlns:ns1="http://schemas.microsoft.com/sharepoint/v3" xmlns:ns2="71af3243-3dd4-4a8d-8c0d-dd76da1f02a5" xmlns:ns3="16c05727-aa75-4e4a-9b5f-8a80a1165891" xmlns:ns4="230e9df3-be65-4c73-a93b-d1236ebd677e" targetNamespace="http://schemas.microsoft.com/office/2006/metadata/properties" ma:root="true" ma:fieldsID="7dd78129e6a1811f84807ad11c651531" ns1:_="" ns2:_="" ns3:_="" ns4:_="">
     <xsd:import namespace="http://schemas.microsoft.com/sharepoint/v3"/>
@@ -9886,27 +9876,36 @@
 </ct:contentTypeSchema>
 </file>
 
-<file path=customXml/itemProps1.xml><?xml version="1.0" encoding="utf-8"?>
-<ds:datastoreItem xmlns:ds="http://schemas.openxmlformats.org/officeDocument/2006/customXml" ds:itemID="{49168DCE-134F-4610-A6AA-88CEBE8D71D2}">
-  <ds:schemaRefs>
-    <ds:schemaRef ds:uri="http://schemas.microsoft.com/office/2006/metadata/properties"/>
-    <ds:schemaRef ds:uri="http://schemas.microsoft.com/office/infopath/2007/PartnerControls"/>
-    <ds:schemaRef ds:uri="http://schemas.microsoft.com/sharepoint/v3"/>
-    <ds:schemaRef ds:uri="71af3243-3dd4-4a8d-8c0d-dd76da1f02a5"/>
-    <ds:schemaRef ds:uri="230e9df3-be65-4c73-a93b-d1236ebd677e"/>
-  </ds:schemaRefs>
-</ds:datastoreItem>
+<file path=customXml/item2.xml><?xml version="1.0" encoding="utf-8"?>
+<?mso-contentType ?>
+<FormTemplates xmlns="http://schemas.microsoft.com/sharepoint/v3/contenttype/forms">
+  <Display>DocumentLibraryForm</Display>
+  <Edit>DocumentLibraryForm</Edit>
+  <New>DocumentLibraryForm</New>
+</FormTemplates>
 </file>
 
-<file path=customXml/itemProps2.xml><?xml version="1.0" encoding="utf-8"?>
-<ds:datastoreItem xmlns:ds="http://schemas.openxmlformats.org/officeDocument/2006/customXml" ds:itemID="{CABF691C-888B-4061-8A6F-D5CE84A0254B}">
-  <ds:schemaRefs>
-    <ds:schemaRef ds:uri="http://schemas.microsoft.com/sharepoint/v3/contenttype/forms"/>
-  </ds:schemaRefs>
-</ds:datastoreItem>
+<file path=customXml/item3.xml><?xml version="1.0" encoding="utf-8"?>
+<p:properties xmlns:p="http://schemas.microsoft.com/office/2006/metadata/properties" xmlns:xsi="http://www.w3.org/2001/XMLSchema-instance" xmlns:pc="http://schemas.microsoft.com/office/infopath/2007/PartnerControls">
+  <documentManagement>
+    <_ip_UnifiedCompliancePolicyUIAction xmlns="http://schemas.microsoft.com/sharepoint/v3" xsi:nil="true"/>
+    <Image xmlns="71af3243-3dd4-4a8d-8c0d-dd76da1f02a5">
+      <Url xsi:nil="true"/>
+      <Description xsi:nil="true"/>
+    </Image>
+    <Status xmlns="71af3243-3dd4-4a8d-8c0d-dd76da1f02a5">Not started</Status>
+    <Background xmlns="71af3243-3dd4-4a8d-8c0d-dd76da1f02a5">false</Background>
+    <_ip_UnifiedCompliancePolicyProperties xmlns="http://schemas.microsoft.com/sharepoint/v3" xsi:nil="true"/>
+    <ImageTagsTaxHTField xmlns="71af3243-3dd4-4a8d-8c0d-dd76da1f02a5">
+      <Terms xmlns="http://schemas.microsoft.com/office/infopath/2007/PartnerControls"/>
+    </ImageTagsTaxHTField>
+    <TaxCatchAll xmlns="230e9df3-be65-4c73-a93b-d1236ebd677e" xsi:nil="true"/>
+    <MediaServiceKeyPoints xmlns="71af3243-3dd4-4a8d-8c0d-dd76da1f02a5" xsi:nil="true"/>
+  </documentManagement>
+</p:properties>
 </file>
 
-<file path=customXml/itemProps3.xml><?xml version="1.0" encoding="utf-8"?>
+<file path=customXml/itemProps1.xml><?xml version="1.0" encoding="utf-8"?>
 <ds:datastoreItem xmlns:ds="http://schemas.openxmlformats.org/officeDocument/2006/customXml" ds:itemID="{5EDE3176-A15D-46A3-BDDB-64A0D7363224}">
   <ds:schemaRefs>
     <ds:schemaRef ds:uri="http://schemas.microsoft.com/office/2006/metadata/contentType"/>
@@ -9927,6 +9926,26 @@
 </ds:datastoreItem>
 </file>
 
+<file path=customXml/itemProps2.xml><?xml version="1.0" encoding="utf-8"?>
+<ds:datastoreItem xmlns:ds="http://schemas.openxmlformats.org/officeDocument/2006/customXml" ds:itemID="{CABF691C-888B-4061-8A6F-D5CE84A0254B}">
+  <ds:schemaRefs>
+    <ds:schemaRef ds:uri="http://schemas.microsoft.com/sharepoint/v3/contenttype/forms"/>
+  </ds:schemaRefs>
+</ds:datastoreItem>
+</file>
+
+<file path=customXml/itemProps3.xml><?xml version="1.0" encoding="utf-8"?>
+<ds:datastoreItem xmlns:ds="http://schemas.openxmlformats.org/officeDocument/2006/customXml" ds:itemID="{49168DCE-134F-4610-A6AA-88CEBE8D71D2}">
+  <ds:schemaRefs>
+    <ds:schemaRef ds:uri="http://schemas.microsoft.com/office/2006/metadata/properties"/>
+    <ds:schemaRef ds:uri="http://schemas.microsoft.com/office/infopath/2007/PartnerControls"/>
+    <ds:schemaRef ds:uri="http://schemas.microsoft.com/sharepoint/v3"/>
+    <ds:schemaRef ds:uri="71af3243-3dd4-4a8d-8c0d-dd76da1f02a5"/>
+    <ds:schemaRef ds:uri="230e9df3-be65-4c73-a93b-d1236ebd677e"/>
+  </ds:schemaRefs>
+</ds:datastoreItem>
+</file>
+
 <file path=docMetadata/LabelInfo.xml><?xml version="1.0" encoding="utf-8"?>
 <clbl:labelList xmlns:clbl="http://schemas.microsoft.com/office/2020/mipLabelMetadata"/>
 </file>